--- a/logos/openmv-logo/logo.pptx
+++ b/logos/openmv-logo/logo.pptx
@@ -3117,7 +3117,7 @@
                     <a:noFill/>
                   </a:ln>
                   <a:solidFill>
-                    <a:srgbClr val="34789F"/>
+                    <a:srgbClr val="3F7FBF"/>
                   </a:solidFill>
                   <a:latin typeface="Eras Bold ITC" panose="020B0907030504020204" pitchFamily="34" charset="0"/>
                 </a:rPr>
@@ -3128,7 +3128,7 @@
                   <a:noFill/>
                 </a:ln>
                 <a:solidFill>
-                  <a:srgbClr val="34789F"/>
+                  <a:srgbClr val="3F7FBF"/>
                 </a:solidFill>
                 <a:latin typeface="Eras Bold ITC" panose="020B0907030504020204" pitchFamily="34" charset="0"/>
               </a:endParaRPr>
